--- a/slides/CampM1.pptx
+++ b/slides/CampM1.pptx
@@ -15113,7 +15113,7 @@
         <p:spPr/>
         <p:txBody>
           <a:bodyPr>
-            <a:normAutofit fontScale="92500" lnSpcReduction="20000"/>
+            <a:normAutofit fontScale="85000" lnSpcReduction="10000"/>
           </a:bodyPr>
           <a:lstStyle/>
           <a:p>
@@ -15153,7 +15153,7 @@
             </a:r>
             <a:r>
               <a:rPr lang="en-US" dirty="0"/>
-              <a:t>Some people may have more experience than others, but this is an intro camp so take the time you need. If you finish the prepared project early, please work on another project that interests you! However, I ask that any extra projects you choose to work on are appropriate and legal.</a:t>
+              <a:t>Some people may have more experience than others, but this is an intro camp so take the time you need. If you finish the prepared project early, please work on another project that interests you! However, I ask that you make sure to keep any extra projects you choose to work on appropriate.</a:t>
             </a:r>
           </a:p>
         </p:txBody>
